--- a/assets/game architecture/ZooKill Soccer Game Design Document Adjusted.pptx
+++ b/assets/game architecture/ZooKill Soccer Game Design Document Adjusted.pptx
@@ -15,10 +15,10 @@
     <p:sldId id="261" r:id="rId9"/>
     <p:sldId id="281" r:id="rId10"/>
     <p:sldId id="282" r:id="rId11"/>
-    <p:sldId id="288" r:id="rId12"/>
-    <p:sldId id="283" r:id="rId13"/>
-    <p:sldId id="285" r:id="rId14"/>
-    <p:sldId id="286" r:id="rId15"/>
+    <p:sldId id="286" r:id="rId12"/>
+    <p:sldId id="288" r:id="rId13"/>
+    <p:sldId id="283" r:id="rId14"/>
+    <p:sldId id="285" r:id="rId15"/>
     <p:sldId id="287" r:id="rId16"/>
     <p:sldId id="264" r:id="rId17"/>
     <p:sldId id="266" r:id="rId18"/>
@@ -284,7 +284,7 @@
           <a:p>
             <a:fld id="{14C9F191-5DFD-4C62-B838-AC695C885212}" type="datetimeFigureOut">
               <a:rPr lang="en-US" smtClean="0"/>
-              <a:t>5/17/16</a:t>
+              <a:t>5/24/16</a:t>
             </a:fld>
             <a:endParaRPr lang="en-US"/>
           </a:p>
@@ -454,7 +454,7 @@
           <a:p>
             <a:fld id="{14C9F191-5DFD-4C62-B838-AC695C885212}" type="datetimeFigureOut">
               <a:rPr lang="en-US" smtClean="0"/>
-              <a:t>5/17/16</a:t>
+              <a:t>5/24/16</a:t>
             </a:fld>
             <a:endParaRPr lang="en-US"/>
           </a:p>
@@ -634,7 +634,7 @@
           <a:p>
             <a:fld id="{14C9F191-5DFD-4C62-B838-AC695C885212}" type="datetimeFigureOut">
               <a:rPr lang="en-US" smtClean="0"/>
-              <a:t>5/17/16</a:t>
+              <a:t>5/24/16</a:t>
             </a:fld>
             <a:endParaRPr lang="en-US"/>
           </a:p>
@@ -804,7 +804,7 @@
           <a:p>
             <a:fld id="{14C9F191-5DFD-4C62-B838-AC695C885212}" type="datetimeFigureOut">
               <a:rPr lang="en-US" smtClean="0"/>
-              <a:t>5/17/16</a:t>
+              <a:t>5/24/16</a:t>
             </a:fld>
             <a:endParaRPr lang="en-US"/>
           </a:p>
@@ -1048,7 +1048,7 @@
           <a:p>
             <a:fld id="{14C9F191-5DFD-4C62-B838-AC695C885212}" type="datetimeFigureOut">
               <a:rPr lang="en-US" smtClean="0"/>
-              <a:t>5/17/16</a:t>
+              <a:t>5/24/16</a:t>
             </a:fld>
             <a:endParaRPr lang="en-US"/>
           </a:p>
@@ -1280,7 +1280,7 @@
           <a:p>
             <a:fld id="{14C9F191-5DFD-4C62-B838-AC695C885212}" type="datetimeFigureOut">
               <a:rPr lang="en-US" smtClean="0"/>
-              <a:t>5/17/16</a:t>
+              <a:t>5/24/16</a:t>
             </a:fld>
             <a:endParaRPr lang="en-US"/>
           </a:p>
@@ -1647,7 +1647,7 @@
           <a:p>
             <a:fld id="{14C9F191-5DFD-4C62-B838-AC695C885212}" type="datetimeFigureOut">
               <a:rPr lang="en-US" smtClean="0"/>
-              <a:t>5/17/16</a:t>
+              <a:t>5/24/16</a:t>
             </a:fld>
             <a:endParaRPr lang="en-US"/>
           </a:p>
@@ -1765,7 +1765,7 @@
           <a:p>
             <a:fld id="{14C9F191-5DFD-4C62-B838-AC695C885212}" type="datetimeFigureOut">
               <a:rPr lang="en-US" smtClean="0"/>
-              <a:t>5/17/16</a:t>
+              <a:t>5/24/16</a:t>
             </a:fld>
             <a:endParaRPr lang="en-US"/>
           </a:p>
@@ -1860,7 +1860,7 @@
           <a:p>
             <a:fld id="{14C9F191-5DFD-4C62-B838-AC695C885212}" type="datetimeFigureOut">
               <a:rPr lang="en-US" smtClean="0"/>
-              <a:t>5/17/16</a:t>
+              <a:t>5/24/16</a:t>
             </a:fld>
             <a:endParaRPr lang="en-US"/>
           </a:p>
@@ -2137,7 +2137,7 @@
           <a:p>
             <a:fld id="{14C9F191-5DFD-4C62-B838-AC695C885212}" type="datetimeFigureOut">
               <a:rPr lang="en-US" smtClean="0"/>
-              <a:t>5/17/16</a:t>
+              <a:t>5/24/16</a:t>
             </a:fld>
             <a:endParaRPr lang="en-US"/>
           </a:p>
@@ -2394,7 +2394,7 @@
           <a:p>
             <a:fld id="{14C9F191-5DFD-4C62-B838-AC695C885212}" type="datetimeFigureOut">
               <a:rPr lang="en-US" smtClean="0"/>
-              <a:t>5/17/16</a:t>
+              <a:t>5/24/16</a:t>
             </a:fld>
             <a:endParaRPr lang="en-US"/>
           </a:p>
@@ -2607,7 +2607,7 @@
           <a:p>
             <a:fld id="{14C9F191-5DFD-4C62-B838-AC695C885212}" type="datetimeFigureOut">
               <a:rPr lang="en-US" smtClean="0"/>
-              <a:t>5/17/16</a:t>
+              <a:t>5/24/16</a:t>
             </a:fld>
             <a:endParaRPr lang="en-US"/>
           </a:p>
@@ -4221,7 +4221,7 @@
             <a:pPr algn="ctr"/>
             <a:r>
               <a:rPr lang="en-US" dirty="0" smtClean="0"/>
-              <a:t>Objects – Inheritance Info</a:t>
+              <a:t>Inheritance – Game Screens</a:t>
             </a:r>
             <a:endParaRPr lang="en-US" dirty="0"/>
           </a:p>
@@ -4235,8 +4235,8 @@
         </p:nvSpPr>
         <p:spPr>
           <a:xfrm>
-            <a:off x="3505200" y="1690689"/>
-            <a:ext cx="550792" cy="369332"/>
+            <a:off x="4038600" y="3016252"/>
+            <a:ext cx="818044" cy="369332"/>
           </a:xfrm>
           <a:prstGeom prst="rect">
             <a:avLst/>
@@ -4268,7 +4268,7 @@
           <a:p>
             <a:r>
               <a:rPr lang="en-US" dirty="0" smtClean="0"/>
-              <a:t>Info</a:t>
+              <a:t>Screen</a:t>
             </a:r>
             <a:endParaRPr lang="en-US" dirty="0"/>
           </a:p>
@@ -4282,8 +4282,8 @@
         </p:nvSpPr>
         <p:spPr>
           <a:xfrm>
-            <a:off x="3490708" y="2466103"/>
-            <a:ext cx="565283" cy="369332"/>
+            <a:off x="1066800" y="4602163"/>
+            <a:ext cx="2096087" cy="369332"/>
           </a:xfrm>
           <a:prstGeom prst="rect">
             <a:avLst/>
@@ -4314,8 +4314,12 @@
           </a:lstStyle>
           <a:p>
             <a:r>
-              <a:rPr lang="en-US" smtClean="0"/>
-              <a:t>Text</a:t>
+              <a:rPr lang="en-US" dirty="0" smtClean="0"/>
+              <a:t>Game – </a:t>
+            </a:r>
+            <a:r>
+              <a:rPr lang="en-US" dirty="0" err="1" smtClean="0"/>
+              <a:t>StartScreen</a:t>
             </a:r>
             <a:endParaRPr lang="en-US" dirty="0"/>
           </a:p>
@@ -4329,8 +4333,8 @@
         </p:nvSpPr>
         <p:spPr>
           <a:xfrm>
-            <a:off x="4419600" y="3313898"/>
-            <a:ext cx="1134349" cy="369332"/>
+            <a:off x="3371750" y="5516563"/>
+            <a:ext cx="2151743" cy="369332"/>
           </a:xfrm>
           <a:prstGeom prst="rect">
             <a:avLst/>
@@ -4362,7 +4366,11 @@
           <a:p>
             <a:r>
               <a:rPr lang="en-US" dirty="0" smtClean="0"/>
-              <a:t>Static Text</a:t>
+              <a:t>Game – </a:t>
+            </a:r>
+            <a:r>
+              <a:rPr lang="en-US" dirty="0" err="1" smtClean="0"/>
+              <a:t>GameScreen</a:t>
             </a:r>
             <a:endParaRPr lang="en-US" dirty="0"/>
           </a:p>
@@ -4370,14 +4378,14 @@
       </p:sp>
       <p:sp>
         <p:nvSpPr>
-          <p:cNvPr id="8" name="TextBox 7"/>
+          <p:cNvPr id="7" name="TextBox 6"/>
           <p:cNvSpPr txBox="1"/>
           <p:nvPr/>
         </p:nvSpPr>
         <p:spPr>
           <a:xfrm>
-            <a:off x="1905000" y="3313898"/>
-            <a:ext cx="1432508" cy="369332"/>
+            <a:off x="5943600" y="4602163"/>
+            <a:ext cx="1951368" cy="369332"/>
           </a:xfrm>
           <a:prstGeom prst="rect">
             <a:avLst/>
@@ -4409,7 +4417,11 @@
           <a:p>
             <a:r>
               <a:rPr lang="en-US" dirty="0" smtClean="0"/>
-              <a:t>Dynamic Text</a:t>
+              <a:t>Game – </a:t>
+            </a:r>
+            <a:r>
+              <a:rPr lang="en-US" dirty="0" err="1" smtClean="0"/>
+              <a:t>EndScreen</a:t>
             </a:r>
             <a:endParaRPr lang="en-US" dirty="0"/>
           </a:p>
@@ -4417,7 +4429,7 @@
       </p:sp>
       <p:cxnSp>
         <p:nvCxnSpPr>
-          <p:cNvPr id="10" name="Straight Arrow Connector 9"/>
+          <p:cNvPr id="9" name="Straight Arrow Connector 8"/>
           <p:cNvCxnSpPr>
             <a:stCxn id="4" idx="2"/>
             <a:endCxn id="5" idx="0"/>
@@ -4426,8 +4438,8 @@
         </p:nvCxnSpPr>
         <p:spPr>
           <a:xfrm flipH="1">
-            <a:off x="3773350" y="2060021"/>
-            <a:ext cx="7246" cy="406082"/>
+            <a:off x="2114844" y="3385584"/>
+            <a:ext cx="2332778" cy="1216579"/>
           </a:xfrm>
           <a:prstGeom prst="straightConnector1">
             <a:avLst/>
@@ -4453,17 +4465,17 @@
       </p:cxnSp>
       <p:cxnSp>
         <p:nvCxnSpPr>
-          <p:cNvPr id="16" name="Straight Arrow Connector 15"/>
+          <p:cNvPr id="11" name="Straight Arrow Connector 10"/>
           <p:cNvCxnSpPr>
-            <a:stCxn id="5" idx="2"/>
-            <a:endCxn id="8" idx="0"/>
+            <a:stCxn id="4" idx="2"/>
+            <a:endCxn id="6" idx="0"/>
           </p:cNvCxnSpPr>
           <p:nvPr/>
         </p:nvCxnSpPr>
         <p:spPr>
-          <a:xfrm flipH="1">
-            <a:off x="2621254" y="2835435"/>
-            <a:ext cx="1152096" cy="478463"/>
+          <a:xfrm>
+            <a:off x="4447622" y="3385584"/>
+            <a:ext cx="0" cy="2130979"/>
           </a:xfrm>
           <a:prstGeom prst="straightConnector1">
             <a:avLst/>
@@ -4489,17 +4501,17 @@
       </p:cxnSp>
       <p:cxnSp>
         <p:nvCxnSpPr>
-          <p:cNvPr id="18" name="Straight Arrow Connector 17"/>
+          <p:cNvPr id="13" name="Straight Arrow Connector 12"/>
           <p:cNvCxnSpPr>
-            <a:stCxn id="5" idx="2"/>
-            <a:endCxn id="6" idx="0"/>
+            <a:stCxn id="4" idx="2"/>
+            <a:endCxn id="7" idx="0"/>
           </p:cNvCxnSpPr>
           <p:nvPr/>
         </p:nvCxnSpPr>
         <p:spPr>
           <a:xfrm>
-            <a:off x="3773350" y="2835435"/>
-            <a:ext cx="1213425" cy="478463"/>
+            <a:off x="4447622" y="3385584"/>
+            <a:ext cx="2471662" cy="1216579"/>
           </a:xfrm>
           <a:prstGeom prst="straightConnector1">
             <a:avLst/>
@@ -4525,14 +4537,14 @@
       </p:cxnSp>
       <p:sp>
         <p:nvSpPr>
-          <p:cNvPr id="19" name="TextBox 18"/>
+          <p:cNvPr id="10" name="TextBox 9"/>
           <p:cNvSpPr txBox="1"/>
           <p:nvPr/>
         </p:nvSpPr>
         <p:spPr>
           <a:xfrm>
-            <a:off x="5638800" y="4273978"/>
-            <a:ext cx="1291379" cy="369332"/>
+            <a:off x="3734028" y="1664002"/>
+            <a:ext cx="1427186" cy="369332"/>
           </a:xfrm>
           <a:prstGeom prst="rect">
             <a:avLst/>
@@ -4563,55 +4575,8 @@
           </a:lstStyle>
           <a:p>
             <a:r>
-              <a:rPr lang="en-US" dirty="0" smtClean="0"/>
-              <a:t>Instructions</a:t>
-            </a:r>
-            <a:endParaRPr lang="en-US" dirty="0"/>
-          </a:p>
-        </p:txBody>
-      </p:sp>
-      <p:sp>
-        <p:nvSpPr>
-          <p:cNvPr id="20" name="TextBox 19"/>
-          <p:cNvSpPr txBox="1"/>
-          <p:nvPr/>
-        </p:nvSpPr>
-        <p:spPr>
-          <a:xfrm>
-            <a:off x="3962400" y="4273978"/>
-            <a:ext cx="1449179" cy="369332"/>
-          </a:xfrm>
-          <a:prstGeom prst="rect">
-            <a:avLst/>
-          </a:prstGeom>
-        </p:spPr>
-        <p:style>
-          <a:lnRef idx="2">
-            <a:schemeClr val="dk1"/>
-          </a:lnRef>
-          <a:fillRef idx="1">
-            <a:schemeClr val="lt1"/>
-          </a:fillRef>
-          <a:effectRef idx="0">
-            <a:schemeClr val="dk1"/>
-          </a:effectRef>
-          <a:fontRef idx="minor">
-            <a:schemeClr val="dk1"/>
-          </a:fontRef>
-        </p:style>
-        <p:txBody>
-          <a:bodyPr wrap="none" rtlCol="0">
-            <a:spAutoFit/>
-          </a:bodyPr>
-          <a:lstStyle>
-            <a:defPPr>
-              <a:defRPr lang="en-US"/>
-            </a:defPPr>
-          </a:lstStyle>
-          <a:p>
-            <a:r>
-              <a:rPr lang="en-US" smtClean="0"/>
-              <a:t>Logo/Identity</a:t>
+              <a:rPr lang="en-US" dirty="0" err="1" smtClean="0"/>
+              <a:t>GameScreen</a:t>
             </a:r>
             <a:endParaRPr lang="en-US" dirty="0"/>
           </a:p>
@@ -4619,136 +4584,17 @@
       </p:sp>
       <p:cxnSp>
         <p:nvCxnSpPr>
-          <p:cNvPr id="22" name="Straight Arrow Connector 21"/>
+          <p:cNvPr id="8" name="Straight Arrow Connector 7"/>
           <p:cNvCxnSpPr>
-            <a:stCxn id="6" idx="2"/>
-            <a:endCxn id="20" idx="0"/>
+            <a:stCxn id="10" idx="2"/>
+            <a:endCxn id="4" idx="0"/>
           </p:cNvCxnSpPr>
           <p:nvPr/>
         </p:nvCxnSpPr>
         <p:spPr>
-          <a:xfrm flipH="1">
-            <a:off x="4686990" y="3683230"/>
-            <a:ext cx="299785" cy="590748"/>
-          </a:xfrm>
-          <a:prstGeom prst="straightConnector1">
-            <a:avLst/>
-          </a:prstGeom>
-          <a:ln>
-            <a:tailEnd type="triangle"/>
-          </a:ln>
-        </p:spPr>
-        <p:style>
-          <a:lnRef idx="1">
-            <a:schemeClr val="accent1"/>
-          </a:lnRef>
-          <a:fillRef idx="0">
-            <a:schemeClr val="accent1"/>
-          </a:fillRef>
-          <a:effectRef idx="0">
-            <a:schemeClr val="accent1"/>
-          </a:effectRef>
-          <a:fontRef idx="minor">
-            <a:schemeClr val="tx1"/>
-          </a:fontRef>
-        </p:style>
-      </p:cxnSp>
-      <p:cxnSp>
-        <p:nvCxnSpPr>
-          <p:cNvPr id="24" name="Straight Arrow Connector 23"/>
-          <p:cNvCxnSpPr>
-            <a:stCxn id="6" idx="2"/>
-            <a:endCxn id="19" idx="0"/>
-          </p:cNvCxnSpPr>
-          <p:nvPr/>
-        </p:nvCxnSpPr>
-        <p:spPr>
-          <a:xfrm>
-            <a:off x="4986775" y="3683230"/>
-            <a:ext cx="1297715" cy="590748"/>
-          </a:xfrm>
-          <a:prstGeom prst="straightConnector1">
-            <a:avLst/>
-          </a:prstGeom>
-          <a:ln>
-            <a:tailEnd type="triangle"/>
-          </a:ln>
-        </p:spPr>
-        <p:style>
-          <a:lnRef idx="1">
-            <a:schemeClr val="accent1"/>
-          </a:lnRef>
-          <a:fillRef idx="0">
-            <a:schemeClr val="accent1"/>
-          </a:fillRef>
-          <a:effectRef idx="0">
-            <a:schemeClr val="accent1"/>
-          </a:effectRef>
-          <a:fontRef idx="minor">
-            <a:schemeClr val="tx1"/>
-          </a:fontRef>
-        </p:style>
-      </p:cxnSp>
-      <p:sp>
-        <p:nvSpPr>
-          <p:cNvPr id="25" name="TextBox 24"/>
-          <p:cNvSpPr txBox="1"/>
-          <p:nvPr/>
-        </p:nvSpPr>
-        <p:spPr>
-          <a:xfrm>
-            <a:off x="2270869" y="4273978"/>
-            <a:ext cx="700769" cy="369332"/>
-          </a:xfrm>
-          <a:prstGeom prst="rect">
-            <a:avLst/>
-          </a:prstGeom>
-        </p:spPr>
-        <p:style>
-          <a:lnRef idx="2">
-            <a:schemeClr val="dk1"/>
-          </a:lnRef>
-          <a:fillRef idx="1">
-            <a:schemeClr val="lt1"/>
-          </a:fillRef>
-          <a:effectRef idx="0">
-            <a:schemeClr val="dk1"/>
-          </a:effectRef>
-          <a:fontRef idx="minor">
-            <a:schemeClr val="dk1"/>
-          </a:fontRef>
-        </p:style>
-        <p:txBody>
-          <a:bodyPr wrap="none" rtlCol="0">
-            <a:spAutoFit/>
-          </a:bodyPr>
-          <a:lstStyle>
-            <a:defPPr>
-              <a:defRPr lang="en-US"/>
-            </a:defPPr>
-          </a:lstStyle>
-          <a:p>
-            <a:r>
-              <a:rPr lang="en-US" dirty="0" smtClean="0"/>
-              <a:t>Score</a:t>
-            </a:r>
-            <a:endParaRPr lang="en-US" dirty="0"/>
-          </a:p>
-        </p:txBody>
-      </p:sp>
-      <p:cxnSp>
-        <p:nvCxnSpPr>
-          <p:cNvPr id="27" name="Straight Arrow Connector 26"/>
-          <p:cNvCxnSpPr>
-            <a:stCxn id="8" idx="2"/>
-            <a:endCxn id="25" idx="0"/>
-          </p:cNvCxnSpPr>
-          <p:nvPr/>
-        </p:nvCxnSpPr>
-        <p:spPr>
-          <a:xfrm>
-            <a:off x="2621254" y="3683230"/>
-            <a:ext cx="0" cy="590748"/>
+          <a:xfrm>
+            <a:off x="4447621" y="2033334"/>
+            <a:ext cx="1" cy="982918"/>
           </a:xfrm>
           <a:prstGeom prst="straightConnector1">
             <a:avLst/>
@@ -4775,7 +4621,7 @@
     </p:spTree>
     <p:extLst>
       <p:ext uri="{BB962C8B-B14F-4D97-AF65-F5344CB8AC3E}">
-        <p14:creationId xmlns:p14="http://schemas.microsoft.com/office/powerpoint/2010/main" val="390369845"/>
+        <p14:creationId xmlns:p14="http://schemas.microsoft.com/office/powerpoint/2010/main" val="1978602424"/>
       </p:ext>
     </p:extLst>
   </p:cSld>
@@ -4820,7 +4666,7 @@
             <a:pPr algn="ctr"/>
             <a:r>
               <a:rPr lang="en-US" dirty="0" smtClean="0"/>
-              <a:t>Objects – Inheritance - Characters</a:t>
+              <a:t>Objects – Inheritance Info</a:t>
             </a:r>
             <a:endParaRPr lang="en-US" dirty="0"/>
           </a:p>
@@ -4828,14 +4674,14 @@
       </p:sp>
       <p:sp>
         <p:nvSpPr>
-          <p:cNvPr id="5" name="TextBox 4"/>
+          <p:cNvPr id="4" name="TextBox 3"/>
           <p:cNvSpPr txBox="1"/>
           <p:nvPr/>
         </p:nvSpPr>
         <p:spPr>
           <a:xfrm>
-            <a:off x="2057400" y="1828800"/>
-            <a:ext cx="1069011" cy="369332"/>
+            <a:off x="3556559" y="2500835"/>
+            <a:ext cx="550792" cy="369332"/>
           </a:xfrm>
           <a:prstGeom prst="rect">
             <a:avLst/>
@@ -4866,22 +4712,23 @@
           </a:lstStyle>
           <a:p>
             <a:r>
-              <a:rPr lang="en-US" dirty="0"/>
-              <a:t>character</a:t>
-            </a:r>
-          </a:p>
-        </p:txBody>
-      </p:sp>
-      <p:sp>
-        <p:nvSpPr>
-          <p:cNvPr id="6" name="TextBox 5"/>
+              <a:rPr lang="en-US" dirty="0" smtClean="0"/>
+              <a:t>Info</a:t>
+            </a:r>
+            <a:endParaRPr lang="en-US" dirty="0"/>
+          </a:p>
+        </p:txBody>
+      </p:sp>
+      <p:sp>
+        <p:nvSpPr>
+          <p:cNvPr id="5" name="TextBox 4"/>
           <p:cNvSpPr txBox="1"/>
           <p:nvPr/>
         </p:nvSpPr>
         <p:spPr>
           <a:xfrm>
-            <a:off x="533400" y="3200400"/>
-            <a:ext cx="790729" cy="369332"/>
+            <a:off x="3542067" y="3276249"/>
+            <a:ext cx="565283" cy="369332"/>
           </a:xfrm>
           <a:prstGeom prst="rect">
             <a:avLst/>
@@ -4913,7 +4760,7 @@
           <a:p>
             <a:r>
               <a:rPr lang="en-US" dirty="0" smtClean="0"/>
-              <a:t>Trump</a:t>
+              <a:t>Text</a:t>
             </a:r>
             <a:endParaRPr lang="en-US" dirty="0"/>
           </a:p>
@@ -4921,14 +4768,14 @@
       </p:sp>
       <p:sp>
         <p:nvSpPr>
-          <p:cNvPr id="7" name="TextBox 6"/>
+          <p:cNvPr id="6" name="TextBox 5"/>
           <p:cNvSpPr txBox="1"/>
           <p:nvPr/>
         </p:nvSpPr>
         <p:spPr>
           <a:xfrm>
-            <a:off x="1821655" y="3200400"/>
-            <a:ext cx="759632" cy="369332"/>
+            <a:off x="4470959" y="4124044"/>
+            <a:ext cx="1134349" cy="369332"/>
           </a:xfrm>
           <a:prstGeom prst="rect">
             <a:avLst/>
@@ -4960,7 +4807,7 @@
           <a:p>
             <a:r>
               <a:rPr lang="en-US" dirty="0" smtClean="0"/>
-              <a:t>Player</a:t>
+              <a:t>Static Text</a:t>
             </a:r>
             <a:endParaRPr lang="en-US" dirty="0"/>
           </a:p>
@@ -4974,8 +4821,8 @@
         </p:nvSpPr>
         <p:spPr>
           <a:xfrm>
-            <a:off x="3161580" y="3200400"/>
-            <a:ext cx="840295" cy="369332"/>
+            <a:off x="1956359" y="4124044"/>
+            <a:ext cx="1432508" cy="369332"/>
           </a:xfrm>
           <a:prstGeom prst="rect">
             <a:avLst/>
@@ -5007,22 +4854,130 @@
           <a:p>
             <a:r>
               <a:rPr lang="en-US" dirty="0" smtClean="0"/>
-              <a:t>Animal</a:t>
+              <a:t>Dynamic Text</a:t>
             </a:r>
             <a:endParaRPr lang="en-US" dirty="0"/>
           </a:p>
         </p:txBody>
       </p:sp>
-      <p:sp>
-        <p:nvSpPr>
-          <p:cNvPr id="9" name="TextBox 8"/>
+      <p:cxnSp>
+        <p:nvCxnSpPr>
+          <p:cNvPr id="10" name="Straight Arrow Connector 9"/>
+          <p:cNvCxnSpPr>
+            <a:stCxn id="4" idx="2"/>
+            <a:endCxn id="5" idx="0"/>
+          </p:cNvCxnSpPr>
+          <p:nvPr/>
+        </p:nvCxnSpPr>
+        <p:spPr>
+          <a:xfrm flipH="1">
+            <a:off x="3824709" y="2870167"/>
+            <a:ext cx="7246" cy="406082"/>
+          </a:xfrm>
+          <a:prstGeom prst="straightConnector1">
+            <a:avLst/>
+          </a:prstGeom>
+          <a:ln>
+            <a:tailEnd type="triangle"/>
+          </a:ln>
+        </p:spPr>
+        <p:style>
+          <a:lnRef idx="1">
+            <a:schemeClr val="accent1"/>
+          </a:lnRef>
+          <a:fillRef idx="0">
+            <a:schemeClr val="accent1"/>
+          </a:fillRef>
+          <a:effectRef idx="0">
+            <a:schemeClr val="accent1"/>
+          </a:effectRef>
+          <a:fontRef idx="minor">
+            <a:schemeClr val="tx1"/>
+          </a:fontRef>
+        </p:style>
+      </p:cxnSp>
+      <p:cxnSp>
+        <p:nvCxnSpPr>
+          <p:cNvPr id="16" name="Straight Arrow Connector 15"/>
+          <p:cNvCxnSpPr>
+            <a:stCxn id="5" idx="2"/>
+            <a:endCxn id="8" idx="0"/>
+          </p:cNvCxnSpPr>
+          <p:nvPr/>
+        </p:nvCxnSpPr>
+        <p:spPr>
+          <a:xfrm flipH="1">
+            <a:off x="2672613" y="3645581"/>
+            <a:ext cx="1152096" cy="478463"/>
+          </a:xfrm>
+          <a:prstGeom prst="straightConnector1">
+            <a:avLst/>
+          </a:prstGeom>
+          <a:ln>
+            <a:tailEnd type="triangle"/>
+          </a:ln>
+        </p:spPr>
+        <p:style>
+          <a:lnRef idx="1">
+            <a:schemeClr val="accent1"/>
+          </a:lnRef>
+          <a:fillRef idx="0">
+            <a:schemeClr val="accent1"/>
+          </a:fillRef>
+          <a:effectRef idx="0">
+            <a:schemeClr val="accent1"/>
+          </a:effectRef>
+          <a:fontRef idx="minor">
+            <a:schemeClr val="tx1"/>
+          </a:fontRef>
+        </p:style>
+      </p:cxnSp>
+      <p:cxnSp>
+        <p:nvCxnSpPr>
+          <p:cNvPr id="18" name="Straight Arrow Connector 17"/>
+          <p:cNvCxnSpPr>
+            <a:stCxn id="5" idx="2"/>
+            <a:endCxn id="6" idx="0"/>
+          </p:cNvCxnSpPr>
+          <p:nvPr/>
+        </p:nvCxnSpPr>
+        <p:spPr>
+          <a:xfrm>
+            <a:off x="3824709" y="3645581"/>
+            <a:ext cx="1213425" cy="478463"/>
+          </a:xfrm>
+          <a:prstGeom prst="straightConnector1">
+            <a:avLst/>
+          </a:prstGeom>
+          <a:ln>
+            <a:tailEnd type="triangle"/>
+          </a:ln>
+        </p:spPr>
+        <p:style>
+          <a:lnRef idx="1">
+            <a:schemeClr val="accent1"/>
+          </a:lnRef>
+          <a:fillRef idx="0">
+            <a:schemeClr val="accent1"/>
+          </a:fillRef>
+          <a:effectRef idx="0">
+            <a:schemeClr val="accent1"/>
+          </a:effectRef>
+          <a:fontRef idx="minor">
+            <a:schemeClr val="tx1"/>
+          </a:fontRef>
+        </p:style>
+      </p:cxnSp>
+      <p:sp>
+        <p:nvSpPr>
+          <p:cNvPr id="19" name="TextBox 18"/>
           <p:cNvSpPr txBox="1"/>
           <p:nvPr/>
         </p:nvSpPr>
         <p:spPr>
           <a:xfrm>
-            <a:off x="4593891" y="3200400"/>
-            <a:ext cx="806631" cy="369332"/>
+            <a:off x="5690159" y="5084124"/>
+            <a:ext cx="1291379" cy="369332"/>
           </a:xfrm>
           <a:prstGeom prst="rect">
             <a:avLst/>
@@ -5054,196 +5009,22 @@
           <a:p>
             <a:r>
               <a:rPr lang="en-US" dirty="0" smtClean="0"/>
-              <a:t>Health</a:t>
+              <a:t>Instructions</a:t>
             </a:r>
             <a:endParaRPr lang="en-US" dirty="0"/>
           </a:p>
         </p:txBody>
       </p:sp>
-      <p:cxnSp>
-        <p:nvCxnSpPr>
-          <p:cNvPr id="11" name="Straight Arrow Connector 10"/>
-          <p:cNvCxnSpPr>
-            <a:stCxn id="5" idx="2"/>
-            <a:endCxn id="7" idx="0"/>
-          </p:cNvCxnSpPr>
-          <p:nvPr/>
-        </p:nvCxnSpPr>
-        <p:spPr>
-          <a:xfrm flipH="1">
-            <a:off x="2201471" y="2198132"/>
-            <a:ext cx="390435" cy="1002268"/>
-          </a:xfrm>
-          <a:prstGeom prst="straightConnector1">
-            <a:avLst/>
-          </a:prstGeom>
-          <a:ln>
-            <a:tailEnd type="triangle"/>
-          </a:ln>
-        </p:spPr>
-        <p:style>
-          <a:lnRef idx="1">
-            <a:schemeClr val="accent1"/>
-          </a:lnRef>
-          <a:fillRef idx="0">
-            <a:schemeClr val="accent1"/>
-          </a:fillRef>
-          <a:effectRef idx="0">
-            <a:schemeClr val="accent1"/>
-          </a:effectRef>
-          <a:fontRef idx="minor">
-            <a:schemeClr val="tx1"/>
-          </a:fontRef>
-        </p:style>
-      </p:cxnSp>
-      <p:cxnSp>
-        <p:nvCxnSpPr>
-          <p:cNvPr id="12" name="Straight Arrow Connector 11"/>
-          <p:cNvCxnSpPr>
-            <a:endCxn id="8" idx="0"/>
-          </p:cNvCxnSpPr>
-          <p:nvPr/>
-        </p:nvCxnSpPr>
-        <p:spPr>
-          <a:xfrm>
-            <a:off x="2591907" y="2198132"/>
-            <a:ext cx="989821" cy="1002268"/>
-          </a:xfrm>
-          <a:prstGeom prst="straightConnector1">
-            <a:avLst/>
-          </a:prstGeom>
-          <a:ln>
-            <a:tailEnd type="triangle"/>
-          </a:ln>
-        </p:spPr>
-        <p:style>
-          <a:lnRef idx="1">
-            <a:schemeClr val="accent1"/>
-          </a:lnRef>
-          <a:fillRef idx="0">
-            <a:schemeClr val="accent1"/>
-          </a:fillRef>
-          <a:effectRef idx="0">
-            <a:schemeClr val="accent1"/>
-          </a:effectRef>
-          <a:fontRef idx="minor">
-            <a:schemeClr val="tx1"/>
-          </a:fontRef>
-        </p:style>
-      </p:cxnSp>
-      <p:cxnSp>
-        <p:nvCxnSpPr>
-          <p:cNvPr id="14" name="Straight Arrow Connector 13"/>
-          <p:cNvCxnSpPr/>
-          <p:nvPr/>
-        </p:nvCxnSpPr>
-        <p:spPr>
-          <a:xfrm>
-            <a:off x="2581287" y="2209658"/>
-            <a:ext cx="989821" cy="1002268"/>
-          </a:xfrm>
-          <a:prstGeom prst="straightConnector1">
-            <a:avLst/>
-          </a:prstGeom>
-          <a:ln>
-            <a:tailEnd type="triangle"/>
-          </a:ln>
-        </p:spPr>
-        <p:style>
-          <a:lnRef idx="1">
-            <a:schemeClr val="accent1"/>
-          </a:lnRef>
-          <a:fillRef idx="0">
-            <a:schemeClr val="accent1"/>
-          </a:fillRef>
-          <a:effectRef idx="0">
-            <a:schemeClr val="accent1"/>
-          </a:effectRef>
-          <a:fontRef idx="minor">
-            <a:schemeClr val="tx1"/>
-          </a:fontRef>
-        </p:style>
-      </p:cxnSp>
-      <p:cxnSp>
-        <p:nvCxnSpPr>
-          <p:cNvPr id="15" name="Straight Arrow Connector 14"/>
-          <p:cNvCxnSpPr>
-            <a:endCxn id="9" idx="0"/>
-          </p:cNvCxnSpPr>
-          <p:nvPr/>
-        </p:nvCxnSpPr>
-        <p:spPr>
-          <a:xfrm>
-            <a:off x="2584161" y="2191823"/>
-            <a:ext cx="2413046" cy="1008577"/>
-          </a:xfrm>
-          <a:prstGeom prst="straightConnector1">
-            <a:avLst/>
-          </a:prstGeom>
-          <a:ln>
-            <a:tailEnd type="triangle"/>
-          </a:ln>
-        </p:spPr>
-        <p:style>
-          <a:lnRef idx="1">
-            <a:schemeClr val="accent1"/>
-          </a:lnRef>
-          <a:fillRef idx="0">
-            <a:schemeClr val="accent1"/>
-          </a:fillRef>
-          <a:effectRef idx="0">
-            <a:schemeClr val="accent1"/>
-          </a:effectRef>
-          <a:fontRef idx="minor">
-            <a:schemeClr val="tx1"/>
-          </a:fontRef>
-        </p:style>
-      </p:cxnSp>
-      <p:cxnSp>
-        <p:nvCxnSpPr>
-          <p:cNvPr id="17" name="Straight Arrow Connector 16"/>
-          <p:cNvCxnSpPr>
-            <a:stCxn id="5" idx="2"/>
-          </p:cNvCxnSpPr>
-          <p:nvPr/>
-        </p:nvCxnSpPr>
-        <p:spPr>
-          <a:xfrm flipH="1">
-            <a:off x="929823" y="2198132"/>
-            <a:ext cx="1662083" cy="995959"/>
-          </a:xfrm>
-          <a:prstGeom prst="straightConnector1">
-            <a:avLst/>
-          </a:prstGeom>
-          <a:ln>
-            <a:tailEnd type="triangle"/>
-          </a:ln>
-        </p:spPr>
-        <p:style>
-          <a:lnRef idx="1">
-            <a:schemeClr val="accent1"/>
-          </a:lnRef>
-          <a:fillRef idx="0">
-            <a:schemeClr val="accent1"/>
-          </a:fillRef>
-          <a:effectRef idx="0">
-            <a:schemeClr val="accent1"/>
-          </a:effectRef>
-          <a:fontRef idx="minor">
-            <a:schemeClr val="tx1"/>
-          </a:fontRef>
-        </p:style>
-      </p:cxnSp>
-      <p:sp>
-        <p:nvSpPr>
-          <p:cNvPr id="19" name="TextBox 18"/>
+      <p:sp>
+        <p:nvSpPr>
+          <p:cNvPr id="20" name="TextBox 19"/>
           <p:cNvSpPr txBox="1"/>
           <p:nvPr/>
         </p:nvSpPr>
         <p:spPr>
           <a:xfrm>
-            <a:off x="1324593" y="4355013"/>
-            <a:ext cx="579005" cy="369332"/>
+            <a:off x="4013759" y="5084124"/>
+            <a:ext cx="910377" cy="369332"/>
           </a:xfrm>
           <a:prstGeom prst="rect">
             <a:avLst/>
@@ -5275,22 +5056,94 @@
           <a:p>
             <a:r>
               <a:rPr lang="en-US" dirty="0" smtClean="0"/>
-              <a:t>Lion</a:t>
+              <a:t>Identity</a:t>
             </a:r>
             <a:endParaRPr lang="en-US" dirty="0"/>
           </a:p>
         </p:txBody>
       </p:sp>
-      <p:sp>
-        <p:nvSpPr>
-          <p:cNvPr id="20" name="TextBox 19"/>
+      <p:cxnSp>
+        <p:nvCxnSpPr>
+          <p:cNvPr id="22" name="Straight Arrow Connector 21"/>
+          <p:cNvCxnSpPr>
+            <a:stCxn id="6" idx="2"/>
+            <a:endCxn id="20" idx="0"/>
+          </p:cNvCxnSpPr>
+          <p:nvPr/>
+        </p:nvCxnSpPr>
+        <p:spPr>
+          <a:xfrm flipH="1">
+            <a:off x="4468948" y="4493376"/>
+            <a:ext cx="569186" cy="590748"/>
+          </a:xfrm>
+          <a:prstGeom prst="straightConnector1">
+            <a:avLst/>
+          </a:prstGeom>
+          <a:ln>
+            <a:tailEnd type="triangle"/>
+          </a:ln>
+        </p:spPr>
+        <p:style>
+          <a:lnRef idx="1">
+            <a:schemeClr val="accent1"/>
+          </a:lnRef>
+          <a:fillRef idx="0">
+            <a:schemeClr val="accent1"/>
+          </a:fillRef>
+          <a:effectRef idx="0">
+            <a:schemeClr val="accent1"/>
+          </a:effectRef>
+          <a:fontRef idx="minor">
+            <a:schemeClr val="tx1"/>
+          </a:fontRef>
+        </p:style>
+      </p:cxnSp>
+      <p:cxnSp>
+        <p:nvCxnSpPr>
+          <p:cNvPr id="24" name="Straight Arrow Connector 23"/>
+          <p:cNvCxnSpPr>
+            <a:stCxn id="6" idx="2"/>
+            <a:endCxn id="19" idx="0"/>
+          </p:cNvCxnSpPr>
+          <p:nvPr/>
+        </p:nvCxnSpPr>
+        <p:spPr>
+          <a:xfrm>
+            <a:off x="5038134" y="4493376"/>
+            <a:ext cx="1297715" cy="590748"/>
+          </a:xfrm>
+          <a:prstGeom prst="straightConnector1">
+            <a:avLst/>
+          </a:prstGeom>
+          <a:ln>
+            <a:tailEnd type="triangle"/>
+          </a:ln>
+        </p:spPr>
+        <p:style>
+          <a:lnRef idx="1">
+            <a:schemeClr val="accent1"/>
+          </a:lnRef>
+          <a:fillRef idx="0">
+            <a:schemeClr val="accent1"/>
+          </a:fillRef>
+          <a:effectRef idx="0">
+            <a:schemeClr val="accent1"/>
+          </a:effectRef>
+          <a:fontRef idx="minor">
+            <a:schemeClr val="tx1"/>
+          </a:fontRef>
+        </p:style>
+      </p:cxnSp>
+      <p:sp>
+        <p:nvSpPr>
+          <p:cNvPr id="25" name="TextBox 24"/>
           <p:cNvSpPr txBox="1"/>
           <p:nvPr/>
         </p:nvSpPr>
         <p:spPr>
           <a:xfrm>
-            <a:off x="2035448" y="4355013"/>
-            <a:ext cx="652486" cy="369332"/>
+            <a:off x="2322228" y="5084124"/>
+            <a:ext cx="700769" cy="369332"/>
           </a:xfrm>
           <a:prstGeom prst="rect">
             <a:avLst/>
@@ -5322,22 +5175,58 @@
           <a:p>
             <a:r>
               <a:rPr lang="en-US" dirty="0" smtClean="0"/>
-              <a:t>Tiger</a:t>
+              <a:t>Score</a:t>
             </a:r>
             <a:endParaRPr lang="en-US" dirty="0"/>
           </a:p>
         </p:txBody>
       </p:sp>
-      <p:sp>
-        <p:nvSpPr>
-          <p:cNvPr id="21" name="TextBox 20"/>
+      <p:cxnSp>
+        <p:nvCxnSpPr>
+          <p:cNvPr id="27" name="Straight Arrow Connector 26"/>
+          <p:cNvCxnSpPr>
+            <a:stCxn id="8" idx="2"/>
+            <a:endCxn id="25" idx="0"/>
+          </p:cNvCxnSpPr>
+          <p:nvPr/>
+        </p:nvCxnSpPr>
+        <p:spPr>
+          <a:xfrm>
+            <a:off x="2672613" y="4493376"/>
+            <a:ext cx="0" cy="590748"/>
+          </a:xfrm>
+          <a:prstGeom prst="straightConnector1">
+            <a:avLst/>
+          </a:prstGeom>
+          <a:ln>
+            <a:tailEnd type="triangle"/>
+          </a:ln>
+        </p:spPr>
+        <p:style>
+          <a:lnRef idx="1">
+            <a:schemeClr val="accent1"/>
+          </a:lnRef>
+          <a:fillRef idx="0">
+            <a:schemeClr val="accent1"/>
+          </a:fillRef>
+          <a:effectRef idx="0">
+            <a:schemeClr val="accent1"/>
+          </a:effectRef>
+          <a:fontRef idx="minor">
+            <a:schemeClr val="tx1"/>
+          </a:fontRef>
+        </p:style>
+      </p:cxnSp>
+      <p:sp>
+        <p:nvSpPr>
+          <p:cNvPr id="17" name="TextBox 16"/>
           <p:cNvSpPr txBox="1"/>
           <p:nvPr/>
         </p:nvSpPr>
         <p:spPr>
           <a:xfrm>
-            <a:off x="2804410" y="4360764"/>
-            <a:ext cx="615874" cy="369332"/>
+            <a:off x="3174122" y="1523389"/>
+            <a:ext cx="1241045" cy="369332"/>
           </a:xfrm>
           <a:prstGeom prst="rect">
             <a:avLst/>
@@ -5368,55 +5257,8 @@
           </a:lstStyle>
           <a:p>
             <a:r>
-              <a:rPr lang="en-US" smtClean="0"/>
-              <a:t>Bear</a:t>
-            </a:r>
-            <a:endParaRPr lang="en-US" dirty="0"/>
-          </a:p>
-        </p:txBody>
-      </p:sp>
-      <p:sp>
-        <p:nvSpPr>
-          <p:cNvPr id="22" name="TextBox 21"/>
-          <p:cNvSpPr txBox="1"/>
-          <p:nvPr/>
-        </p:nvSpPr>
-        <p:spPr>
-          <a:xfrm>
-            <a:off x="3552789" y="4355013"/>
-            <a:ext cx="801823" cy="369332"/>
-          </a:xfrm>
-          <a:prstGeom prst="rect">
-            <a:avLst/>
-          </a:prstGeom>
-        </p:spPr>
-        <p:style>
-          <a:lnRef idx="2">
-            <a:schemeClr val="dk1"/>
-          </a:lnRef>
-          <a:fillRef idx="1">
-            <a:schemeClr val="lt1"/>
-          </a:fillRef>
-          <a:effectRef idx="0">
-            <a:schemeClr val="dk1"/>
-          </a:effectRef>
-          <a:fontRef idx="minor">
-            <a:schemeClr val="dk1"/>
-          </a:fontRef>
-        </p:style>
-        <p:txBody>
-          <a:bodyPr wrap="none" rtlCol="0">
-            <a:spAutoFit/>
-          </a:bodyPr>
-          <a:lstStyle>
-            <a:defPPr>
-              <a:defRPr lang="en-US"/>
-            </a:defPPr>
-          </a:lstStyle>
-          <a:p>
-            <a:r>
-              <a:rPr lang="en-US" dirty="0" smtClean="0"/>
-              <a:t>Gorilla</a:t>
+              <a:rPr lang="en-US" dirty="0" err="1" smtClean="0"/>
+              <a:t>GamePiece</a:t>
             </a:r>
             <a:endParaRPr lang="en-US" dirty="0"/>
           </a:p>
@@ -5424,125 +5266,17 @@
       </p:sp>
       <p:cxnSp>
         <p:nvCxnSpPr>
-          <p:cNvPr id="24" name="Straight Arrow Connector 23"/>
+          <p:cNvPr id="9" name="Straight Arrow Connector 8"/>
           <p:cNvCxnSpPr>
-            <a:stCxn id="8" idx="2"/>
-            <a:endCxn id="19" idx="0"/>
+            <a:stCxn id="17" idx="2"/>
+            <a:endCxn id="4" idx="0"/>
           </p:cNvCxnSpPr>
           <p:nvPr/>
         </p:nvCxnSpPr>
         <p:spPr>
-          <a:xfrm flipH="1">
-            <a:off x="1614096" y="3569732"/>
-            <a:ext cx="1967632" cy="785281"/>
-          </a:xfrm>
-          <a:prstGeom prst="straightConnector1">
-            <a:avLst/>
-          </a:prstGeom>
-          <a:ln>
-            <a:tailEnd type="triangle"/>
-          </a:ln>
-        </p:spPr>
-        <p:style>
-          <a:lnRef idx="1">
-            <a:schemeClr val="accent1"/>
-          </a:lnRef>
-          <a:fillRef idx="0">
-            <a:schemeClr val="accent1"/>
-          </a:fillRef>
-          <a:effectRef idx="0">
-            <a:schemeClr val="accent1"/>
-          </a:effectRef>
-          <a:fontRef idx="minor">
-            <a:schemeClr val="tx1"/>
-          </a:fontRef>
-        </p:style>
-      </p:cxnSp>
-      <p:cxnSp>
-        <p:nvCxnSpPr>
-          <p:cNvPr id="26" name="Straight Arrow Connector 25"/>
-          <p:cNvCxnSpPr>
-            <a:stCxn id="8" idx="2"/>
-            <a:endCxn id="20" idx="0"/>
-          </p:cNvCxnSpPr>
-          <p:nvPr/>
-        </p:nvCxnSpPr>
-        <p:spPr>
-          <a:xfrm flipH="1">
-            <a:off x="2361691" y="3569732"/>
-            <a:ext cx="1220037" cy="785281"/>
-          </a:xfrm>
-          <a:prstGeom prst="straightConnector1">
-            <a:avLst/>
-          </a:prstGeom>
-          <a:ln>
-            <a:tailEnd type="triangle"/>
-          </a:ln>
-        </p:spPr>
-        <p:style>
-          <a:lnRef idx="1">
-            <a:schemeClr val="accent1"/>
-          </a:lnRef>
-          <a:fillRef idx="0">
-            <a:schemeClr val="accent1"/>
-          </a:fillRef>
-          <a:effectRef idx="0">
-            <a:schemeClr val="accent1"/>
-          </a:effectRef>
-          <a:fontRef idx="minor">
-            <a:schemeClr val="tx1"/>
-          </a:fontRef>
-        </p:style>
-      </p:cxnSp>
-      <p:cxnSp>
-        <p:nvCxnSpPr>
-          <p:cNvPr id="28" name="Straight Arrow Connector 27"/>
-          <p:cNvCxnSpPr>
-            <a:stCxn id="8" idx="2"/>
-            <a:endCxn id="21" idx="0"/>
-          </p:cNvCxnSpPr>
-          <p:nvPr/>
-        </p:nvCxnSpPr>
-        <p:spPr>
-          <a:xfrm flipH="1">
-            <a:off x="3112347" y="3569732"/>
-            <a:ext cx="469381" cy="791032"/>
-          </a:xfrm>
-          <a:prstGeom prst="straightConnector1">
-            <a:avLst/>
-          </a:prstGeom>
-          <a:ln>
-            <a:tailEnd type="triangle"/>
-          </a:ln>
-        </p:spPr>
-        <p:style>
-          <a:lnRef idx="1">
-            <a:schemeClr val="accent1"/>
-          </a:lnRef>
-          <a:fillRef idx="0">
-            <a:schemeClr val="accent1"/>
-          </a:fillRef>
-          <a:effectRef idx="0">
-            <a:schemeClr val="accent1"/>
-          </a:effectRef>
-          <a:fontRef idx="minor">
-            <a:schemeClr val="tx1"/>
-          </a:fontRef>
-        </p:style>
-      </p:cxnSp>
-      <p:cxnSp>
-        <p:nvCxnSpPr>
-          <p:cNvPr id="30" name="Straight Arrow Connector 29"/>
-          <p:cNvCxnSpPr>
-            <a:stCxn id="8" idx="2"/>
-            <a:endCxn id="22" idx="0"/>
-          </p:cNvCxnSpPr>
-          <p:nvPr/>
-        </p:nvCxnSpPr>
-        <p:spPr>
-          <a:xfrm>
-            <a:off x="3581728" y="3569732"/>
-            <a:ext cx="371973" cy="785281"/>
+          <a:xfrm>
+            <a:off x="3794645" y="1892721"/>
+            <a:ext cx="37310" cy="608114"/>
           </a:xfrm>
           <a:prstGeom prst="straightConnector1">
             <a:avLst/>
@@ -5569,7 +5303,7 @@
     </p:spTree>
     <p:extLst>
       <p:ext uri="{BB962C8B-B14F-4D97-AF65-F5344CB8AC3E}">
-        <p14:creationId xmlns:p14="http://schemas.microsoft.com/office/powerpoint/2010/main" val="803476403"/>
+        <p14:creationId xmlns:p14="http://schemas.microsoft.com/office/powerpoint/2010/main" val="390369845"/>
       </p:ext>
     </p:extLst>
   </p:cSld>
@@ -5611,9 +5345,10 @@
           <a:bodyPr/>
           <a:lstStyle/>
           <a:p>
+            <a:pPr algn="ctr"/>
             <a:r>
               <a:rPr lang="en-US" dirty="0" smtClean="0"/>
-              <a:t>Objects – Inheritance – Area </a:t>
+              <a:t>Objects – Inheritance - Characters</a:t>
             </a:r>
             <a:endParaRPr lang="en-US" dirty="0"/>
           </a:p>
@@ -5621,14 +5356,14 @@
       </p:sp>
       <p:sp>
         <p:nvSpPr>
-          <p:cNvPr id="4" name="TextBox 3"/>
+          <p:cNvPr id="5" name="TextBox 4"/>
           <p:cNvSpPr txBox="1"/>
           <p:nvPr/>
         </p:nvSpPr>
         <p:spPr>
           <a:xfrm>
-            <a:off x="3919514" y="1696551"/>
-            <a:ext cx="620876" cy="369332"/>
+            <a:off x="3711909" y="2743200"/>
+            <a:ext cx="1069011" cy="369332"/>
           </a:xfrm>
           <a:prstGeom prst="rect">
             <a:avLst/>
@@ -5659,23 +5394,22 @@
           </a:lstStyle>
           <a:p>
             <a:r>
-              <a:rPr lang="en-US" dirty="0" smtClean="0"/>
-              <a:t>Area</a:t>
-            </a:r>
-            <a:endParaRPr lang="en-US" dirty="0"/>
-          </a:p>
-        </p:txBody>
-      </p:sp>
-      <p:sp>
-        <p:nvSpPr>
-          <p:cNvPr id="5" name="TextBox 4"/>
+              <a:rPr lang="en-US" dirty="0"/>
+              <a:t>character</a:t>
+            </a:r>
+          </a:p>
+        </p:txBody>
+      </p:sp>
+      <p:sp>
+        <p:nvSpPr>
+          <p:cNvPr id="6" name="TextBox 5"/>
           <p:cNvSpPr txBox="1"/>
           <p:nvPr/>
         </p:nvSpPr>
         <p:spPr>
           <a:xfrm>
-            <a:off x="1905000" y="2667000"/>
-            <a:ext cx="641266" cy="369332"/>
+            <a:off x="2187909" y="4114800"/>
+            <a:ext cx="790729" cy="369332"/>
           </a:xfrm>
           <a:prstGeom prst="rect">
             <a:avLst/>
@@ -5706,8 +5440,8 @@
           </a:lstStyle>
           <a:p>
             <a:r>
-              <a:rPr lang="en-US" smtClean="0"/>
-              <a:t>Cage</a:t>
+              <a:rPr lang="en-US" dirty="0" smtClean="0"/>
+              <a:t>Trump</a:t>
             </a:r>
             <a:endParaRPr lang="en-US" dirty="0"/>
           </a:p>
@@ -5715,14 +5449,14 @@
       </p:sp>
       <p:sp>
         <p:nvSpPr>
-          <p:cNvPr id="6" name="TextBox 5"/>
+          <p:cNvPr id="7" name="TextBox 6"/>
           <p:cNvSpPr txBox="1"/>
           <p:nvPr/>
         </p:nvSpPr>
         <p:spPr>
           <a:xfrm>
-            <a:off x="2819400" y="2667000"/>
-            <a:ext cx="1329403" cy="369332"/>
+            <a:off x="3476164" y="4114800"/>
+            <a:ext cx="759632" cy="369332"/>
           </a:xfrm>
           <a:prstGeom prst="rect">
             <a:avLst/>
@@ -5754,7 +5488,7 @@
           <a:p>
             <a:r>
               <a:rPr lang="en-US" dirty="0" smtClean="0"/>
-              <a:t>Animal Area</a:t>
+              <a:t>Player</a:t>
             </a:r>
             <a:endParaRPr lang="en-US" dirty="0"/>
           </a:p>
@@ -5762,14 +5496,14 @@
       </p:sp>
       <p:sp>
         <p:nvSpPr>
-          <p:cNvPr id="7" name="TextBox 6"/>
+          <p:cNvPr id="8" name="TextBox 7"/>
           <p:cNvSpPr txBox="1"/>
           <p:nvPr/>
         </p:nvSpPr>
         <p:spPr>
           <a:xfrm>
-            <a:off x="4421937" y="2667000"/>
-            <a:ext cx="1248740" cy="369332"/>
+            <a:off x="4816089" y="4114800"/>
+            <a:ext cx="840295" cy="369332"/>
           </a:xfrm>
           <a:prstGeom prst="rect">
             <a:avLst/>
@@ -5801,7 +5535,54 @@
           <a:p>
             <a:r>
               <a:rPr lang="en-US" dirty="0" smtClean="0"/>
-              <a:t>Player Area</a:t>
+              <a:t>Animal</a:t>
+            </a:r>
+            <a:endParaRPr lang="en-US" dirty="0"/>
+          </a:p>
+        </p:txBody>
+      </p:sp>
+      <p:sp>
+        <p:nvSpPr>
+          <p:cNvPr id="9" name="TextBox 8"/>
+          <p:cNvSpPr txBox="1"/>
+          <p:nvPr/>
+        </p:nvSpPr>
+        <p:spPr>
+          <a:xfrm>
+            <a:off x="6248400" y="4114800"/>
+            <a:ext cx="806631" cy="369332"/>
+          </a:xfrm>
+          <a:prstGeom prst="rect">
+            <a:avLst/>
+          </a:prstGeom>
+        </p:spPr>
+        <p:style>
+          <a:lnRef idx="2">
+            <a:schemeClr val="dk1"/>
+          </a:lnRef>
+          <a:fillRef idx="1">
+            <a:schemeClr val="lt1"/>
+          </a:fillRef>
+          <a:effectRef idx="0">
+            <a:schemeClr val="dk1"/>
+          </a:effectRef>
+          <a:fontRef idx="minor">
+            <a:schemeClr val="dk1"/>
+          </a:fontRef>
+        </p:style>
+        <p:txBody>
+          <a:bodyPr wrap="none" rtlCol="0">
+            <a:spAutoFit/>
+          </a:bodyPr>
+          <a:lstStyle>
+            <a:defPPr>
+              <a:defRPr lang="en-US"/>
+            </a:defPPr>
+          </a:lstStyle>
+          <a:p>
+            <a:r>
+              <a:rPr lang="en-US" dirty="0" smtClean="0"/>
+              <a:t>Health</a:t>
             </a:r>
             <a:endParaRPr lang="en-US" dirty="0"/>
           </a:p>
@@ -5809,17 +5590,17 @@
       </p:sp>
       <p:cxnSp>
         <p:nvCxnSpPr>
-          <p:cNvPr id="10" name="Straight Arrow Connector 9"/>
+          <p:cNvPr id="11" name="Straight Arrow Connector 10"/>
           <p:cNvCxnSpPr>
-            <a:stCxn id="4" idx="2"/>
-            <a:endCxn id="5" idx="0"/>
+            <a:stCxn id="5" idx="2"/>
+            <a:endCxn id="7" idx="0"/>
           </p:cNvCxnSpPr>
           <p:nvPr/>
         </p:nvCxnSpPr>
         <p:spPr>
           <a:xfrm flipH="1">
-            <a:off x="2225633" y="2065883"/>
-            <a:ext cx="2004319" cy="601117"/>
+            <a:off x="3855980" y="3112532"/>
+            <a:ext cx="390435" cy="1002268"/>
           </a:xfrm>
           <a:prstGeom prst="straightConnector1">
             <a:avLst/>
@@ -5847,15 +5628,14 @@
         <p:nvCxnSpPr>
           <p:cNvPr id="12" name="Straight Arrow Connector 11"/>
           <p:cNvCxnSpPr>
-            <a:stCxn id="4" idx="2"/>
-            <a:endCxn id="6" idx="0"/>
+            <a:endCxn id="8" idx="0"/>
           </p:cNvCxnSpPr>
           <p:nvPr/>
         </p:nvCxnSpPr>
         <p:spPr>
-          <a:xfrm flipH="1">
-            <a:off x="3484102" y="2065883"/>
-            <a:ext cx="745850" cy="601117"/>
+          <a:xfrm>
+            <a:off x="4246416" y="3112532"/>
+            <a:ext cx="989821" cy="1002268"/>
           </a:xfrm>
           <a:prstGeom prst="straightConnector1">
             <a:avLst/>
@@ -5882,16 +5662,498 @@
       <p:cxnSp>
         <p:nvCxnSpPr>
           <p:cNvPr id="14" name="Straight Arrow Connector 13"/>
+          <p:cNvCxnSpPr/>
+          <p:nvPr/>
+        </p:nvCxnSpPr>
+        <p:spPr>
+          <a:xfrm>
+            <a:off x="4235796" y="3124058"/>
+            <a:ext cx="989821" cy="1002268"/>
+          </a:xfrm>
+          <a:prstGeom prst="straightConnector1">
+            <a:avLst/>
+          </a:prstGeom>
+          <a:ln>
+            <a:tailEnd type="triangle"/>
+          </a:ln>
+        </p:spPr>
+        <p:style>
+          <a:lnRef idx="1">
+            <a:schemeClr val="accent1"/>
+          </a:lnRef>
+          <a:fillRef idx="0">
+            <a:schemeClr val="accent1"/>
+          </a:fillRef>
+          <a:effectRef idx="0">
+            <a:schemeClr val="accent1"/>
+          </a:effectRef>
+          <a:fontRef idx="minor">
+            <a:schemeClr val="tx1"/>
+          </a:fontRef>
+        </p:style>
+      </p:cxnSp>
+      <p:cxnSp>
+        <p:nvCxnSpPr>
+          <p:cNvPr id="15" name="Straight Arrow Connector 14"/>
           <p:cNvCxnSpPr>
-            <a:stCxn id="4" idx="2"/>
-            <a:endCxn id="7" idx="0"/>
+            <a:endCxn id="9" idx="0"/>
           </p:cNvCxnSpPr>
           <p:nvPr/>
         </p:nvCxnSpPr>
         <p:spPr>
           <a:xfrm>
-            <a:off x="4229952" y="2065883"/>
-            <a:ext cx="816355" cy="601117"/>
+            <a:off x="4238670" y="3106223"/>
+            <a:ext cx="2413046" cy="1008577"/>
+          </a:xfrm>
+          <a:prstGeom prst="straightConnector1">
+            <a:avLst/>
+          </a:prstGeom>
+          <a:ln>
+            <a:tailEnd type="triangle"/>
+          </a:ln>
+        </p:spPr>
+        <p:style>
+          <a:lnRef idx="1">
+            <a:schemeClr val="accent1"/>
+          </a:lnRef>
+          <a:fillRef idx="0">
+            <a:schemeClr val="accent1"/>
+          </a:fillRef>
+          <a:effectRef idx="0">
+            <a:schemeClr val="accent1"/>
+          </a:effectRef>
+          <a:fontRef idx="minor">
+            <a:schemeClr val="tx1"/>
+          </a:fontRef>
+        </p:style>
+      </p:cxnSp>
+      <p:cxnSp>
+        <p:nvCxnSpPr>
+          <p:cNvPr id="17" name="Straight Arrow Connector 16"/>
+          <p:cNvCxnSpPr>
+            <a:stCxn id="5" idx="2"/>
+          </p:cNvCxnSpPr>
+          <p:nvPr/>
+        </p:nvCxnSpPr>
+        <p:spPr>
+          <a:xfrm flipH="1">
+            <a:off x="2584332" y="3112532"/>
+            <a:ext cx="1662083" cy="995959"/>
+          </a:xfrm>
+          <a:prstGeom prst="straightConnector1">
+            <a:avLst/>
+          </a:prstGeom>
+          <a:ln>
+            <a:tailEnd type="triangle"/>
+          </a:ln>
+        </p:spPr>
+        <p:style>
+          <a:lnRef idx="1">
+            <a:schemeClr val="accent1"/>
+          </a:lnRef>
+          <a:fillRef idx="0">
+            <a:schemeClr val="accent1"/>
+          </a:fillRef>
+          <a:effectRef idx="0">
+            <a:schemeClr val="accent1"/>
+          </a:effectRef>
+          <a:fontRef idx="minor">
+            <a:schemeClr val="tx1"/>
+          </a:fontRef>
+        </p:style>
+      </p:cxnSp>
+      <p:sp>
+        <p:nvSpPr>
+          <p:cNvPr id="19" name="TextBox 18"/>
+          <p:cNvSpPr txBox="1"/>
+          <p:nvPr/>
+        </p:nvSpPr>
+        <p:spPr>
+          <a:xfrm>
+            <a:off x="2979102" y="5269413"/>
+            <a:ext cx="579005" cy="369332"/>
+          </a:xfrm>
+          <a:prstGeom prst="rect">
+            <a:avLst/>
+          </a:prstGeom>
+        </p:spPr>
+        <p:style>
+          <a:lnRef idx="2">
+            <a:schemeClr val="dk1"/>
+          </a:lnRef>
+          <a:fillRef idx="1">
+            <a:schemeClr val="lt1"/>
+          </a:fillRef>
+          <a:effectRef idx="0">
+            <a:schemeClr val="dk1"/>
+          </a:effectRef>
+          <a:fontRef idx="minor">
+            <a:schemeClr val="dk1"/>
+          </a:fontRef>
+        </p:style>
+        <p:txBody>
+          <a:bodyPr wrap="none" rtlCol="0">
+            <a:spAutoFit/>
+          </a:bodyPr>
+          <a:lstStyle>
+            <a:defPPr>
+              <a:defRPr lang="en-US"/>
+            </a:defPPr>
+          </a:lstStyle>
+          <a:p>
+            <a:r>
+              <a:rPr lang="en-US" dirty="0" smtClean="0"/>
+              <a:t>Lion</a:t>
+            </a:r>
+            <a:endParaRPr lang="en-US" dirty="0"/>
+          </a:p>
+        </p:txBody>
+      </p:sp>
+      <p:sp>
+        <p:nvSpPr>
+          <p:cNvPr id="20" name="TextBox 19"/>
+          <p:cNvSpPr txBox="1"/>
+          <p:nvPr/>
+        </p:nvSpPr>
+        <p:spPr>
+          <a:xfrm>
+            <a:off x="3689957" y="5269413"/>
+            <a:ext cx="652486" cy="369332"/>
+          </a:xfrm>
+          <a:prstGeom prst="rect">
+            <a:avLst/>
+          </a:prstGeom>
+        </p:spPr>
+        <p:style>
+          <a:lnRef idx="2">
+            <a:schemeClr val="dk1"/>
+          </a:lnRef>
+          <a:fillRef idx="1">
+            <a:schemeClr val="lt1"/>
+          </a:fillRef>
+          <a:effectRef idx="0">
+            <a:schemeClr val="dk1"/>
+          </a:effectRef>
+          <a:fontRef idx="minor">
+            <a:schemeClr val="dk1"/>
+          </a:fontRef>
+        </p:style>
+        <p:txBody>
+          <a:bodyPr wrap="none" rtlCol="0">
+            <a:spAutoFit/>
+          </a:bodyPr>
+          <a:lstStyle>
+            <a:defPPr>
+              <a:defRPr lang="en-US"/>
+            </a:defPPr>
+          </a:lstStyle>
+          <a:p>
+            <a:r>
+              <a:rPr lang="en-US" dirty="0" smtClean="0"/>
+              <a:t>Tiger</a:t>
+            </a:r>
+            <a:endParaRPr lang="en-US" dirty="0"/>
+          </a:p>
+        </p:txBody>
+      </p:sp>
+      <p:sp>
+        <p:nvSpPr>
+          <p:cNvPr id="21" name="TextBox 20"/>
+          <p:cNvSpPr txBox="1"/>
+          <p:nvPr/>
+        </p:nvSpPr>
+        <p:spPr>
+          <a:xfrm>
+            <a:off x="4458919" y="5275164"/>
+            <a:ext cx="615874" cy="369332"/>
+          </a:xfrm>
+          <a:prstGeom prst="rect">
+            <a:avLst/>
+          </a:prstGeom>
+        </p:spPr>
+        <p:style>
+          <a:lnRef idx="2">
+            <a:schemeClr val="dk1"/>
+          </a:lnRef>
+          <a:fillRef idx="1">
+            <a:schemeClr val="lt1"/>
+          </a:fillRef>
+          <a:effectRef idx="0">
+            <a:schemeClr val="dk1"/>
+          </a:effectRef>
+          <a:fontRef idx="minor">
+            <a:schemeClr val="dk1"/>
+          </a:fontRef>
+        </p:style>
+        <p:txBody>
+          <a:bodyPr wrap="none" rtlCol="0">
+            <a:spAutoFit/>
+          </a:bodyPr>
+          <a:lstStyle>
+            <a:defPPr>
+              <a:defRPr lang="en-US"/>
+            </a:defPPr>
+          </a:lstStyle>
+          <a:p>
+            <a:r>
+              <a:rPr lang="en-US" smtClean="0"/>
+              <a:t>Bear</a:t>
+            </a:r>
+            <a:endParaRPr lang="en-US" dirty="0"/>
+          </a:p>
+        </p:txBody>
+      </p:sp>
+      <p:sp>
+        <p:nvSpPr>
+          <p:cNvPr id="22" name="TextBox 21"/>
+          <p:cNvSpPr txBox="1"/>
+          <p:nvPr/>
+        </p:nvSpPr>
+        <p:spPr>
+          <a:xfrm>
+            <a:off x="5207298" y="5269413"/>
+            <a:ext cx="801823" cy="369332"/>
+          </a:xfrm>
+          <a:prstGeom prst="rect">
+            <a:avLst/>
+          </a:prstGeom>
+        </p:spPr>
+        <p:style>
+          <a:lnRef idx="2">
+            <a:schemeClr val="dk1"/>
+          </a:lnRef>
+          <a:fillRef idx="1">
+            <a:schemeClr val="lt1"/>
+          </a:fillRef>
+          <a:effectRef idx="0">
+            <a:schemeClr val="dk1"/>
+          </a:effectRef>
+          <a:fontRef idx="minor">
+            <a:schemeClr val="dk1"/>
+          </a:fontRef>
+        </p:style>
+        <p:txBody>
+          <a:bodyPr wrap="none" rtlCol="0">
+            <a:spAutoFit/>
+          </a:bodyPr>
+          <a:lstStyle>
+            <a:defPPr>
+              <a:defRPr lang="en-US"/>
+            </a:defPPr>
+          </a:lstStyle>
+          <a:p>
+            <a:r>
+              <a:rPr lang="en-US" dirty="0" smtClean="0"/>
+              <a:t>Gorilla</a:t>
+            </a:r>
+            <a:endParaRPr lang="en-US" dirty="0"/>
+          </a:p>
+        </p:txBody>
+      </p:sp>
+      <p:cxnSp>
+        <p:nvCxnSpPr>
+          <p:cNvPr id="24" name="Straight Arrow Connector 23"/>
+          <p:cNvCxnSpPr>
+            <a:stCxn id="8" idx="2"/>
+            <a:endCxn id="19" idx="0"/>
+          </p:cNvCxnSpPr>
+          <p:nvPr/>
+        </p:nvCxnSpPr>
+        <p:spPr>
+          <a:xfrm flipH="1">
+            <a:off x="3268605" y="4484132"/>
+            <a:ext cx="1967632" cy="785281"/>
+          </a:xfrm>
+          <a:prstGeom prst="straightConnector1">
+            <a:avLst/>
+          </a:prstGeom>
+          <a:ln>
+            <a:tailEnd type="triangle"/>
+          </a:ln>
+        </p:spPr>
+        <p:style>
+          <a:lnRef idx="1">
+            <a:schemeClr val="accent1"/>
+          </a:lnRef>
+          <a:fillRef idx="0">
+            <a:schemeClr val="accent1"/>
+          </a:fillRef>
+          <a:effectRef idx="0">
+            <a:schemeClr val="accent1"/>
+          </a:effectRef>
+          <a:fontRef idx="minor">
+            <a:schemeClr val="tx1"/>
+          </a:fontRef>
+        </p:style>
+      </p:cxnSp>
+      <p:cxnSp>
+        <p:nvCxnSpPr>
+          <p:cNvPr id="26" name="Straight Arrow Connector 25"/>
+          <p:cNvCxnSpPr>
+            <a:stCxn id="8" idx="2"/>
+            <a:endCxn id="20" idx="0"/>
+          </p:cNvCxnSpPr>
+          <p:nvPr/>
+        </p:nvCxnSpPr>
+        <p:spPr>
+          <a:xfrm flipH="1">
+            <a:off x="4016200" y="4484132"/>
+            <a:ext cx="1220037" cy="785281"/>
+          </a:xfrm>
+          <a:prstGeom prst="straightConnector1">
+            <a:avLst/>
+          </a:prstGeom>
+          <a:ln>
+            <a:tailEnd type="triangle"/>
+          </a:ln>
+        </p:spPr>
+        <p:style>
+          <a:lnRef idx="1">
+            <a:schemeClr val="accent1"/>
+          </a:lnRef>
+          <a:fillRef idx="0">
+            <a:schemeClr val="accent1"/>
+          </a:fillRef>
+          <a:effectRef idx="0">
+            <a:schemeClr val="accent1"/>
+          </a:effectRef>
+          <a:fontRef idx="minor">
+            <a:schemeClr val="tx1"/>
+          </a:fontRef>
+        </p:style>
+      </p:cxnSp>
+      <p:cxnSp>
+        <p:nvCxnSpPr>
+          <p:cNvPr id="28" name="Straight Arrow Connector 27"/>
+          <p:cNvCxnSpPr>
+            <a:stCxn id="8" idx="2"/>
+            <a:endCxn id="21" idx="0"/>
+          </p:cNvCxnSpPr>
+          <p:nvPr/>
+        </p:nvCxnSpPr>
+        <p:spPr>
+          <a:xfrm flipH="1">
+            <a:off x="4766856" y="4484132"/>
+            <a:ext cx="469381" cy="791032"/>
+          </a:xfrm>
+          <a:prstGeom prst="straightConnector1">
+            <a:avLst/>
+          </a:prstGeom>
+          <a:ln>
+            <a:tailEnd type="triangle"/>
+          </a:ln>
+        </p:spPr>
+        <p:style>
+          <a:lnRef idx="1">
+            <a:schemeClr val="accent1"/>
+          </a:lnRef>
+          <a:fillRef idx="0">
+            <a:schemeClr val="accent1"/>
+          </a:fillRef>
+          <a:effectRef idx="0">
+            <a:schemeClr val="accent1"/>
+          </a:effectRef>
+          <a:fontRef idx="minor">
+            <a:schemeClr val="tx1"/>
+          </a:fontRef>
+        </p:style>
+      </p:cxnSp>
+      <p:cxnSp>
+        <p:nvCxnSpPr>
+          <p:cNvPr id="30" name="Straight Arrow Connector 29"/>
+          <p:cNvCxnSpPr>
+            <a:stCxn id="8" idx="2"/>
+            <a:endCxn id="22" idx="0"/>
+          </p:cNvCxnSpPr>
+          <p:nvPr/>
+        </p:nvCxnSpPr>
+        <p:spPr>
+          <a:xfrm>
+            <a:off x="5236237" y="4484132"/>
+            <a:ext cx="371973" cy="785281"/>
+          </a:xfrm>
+          <a:prstGeom prst="straightConnector1">
+            <a:avLst/>
+          </a:prstGeom>
+          <a:ln>
+            <a:tailEnd type="triangle"/>
+          </a:ln>
+        </p:spPr>
+        <p:style>
+          <a:lnRef idx="1">
+            <a:schemeClr val="accent1"/>
+          </a:lnRef>
+          <a:fillRef idx="0">
+            <a:schemeClr val="accent1"/>
+          </a:fillRef>
+          <a:effectRef idx="0">
+            <a:schemeClr val="accent1"/>
+          </a:effectRef>
+          <a:fontRef idx="minor">
+            <a:schemeClr val="tx1"/>
+          </a:fontRef>
+        </p:style>
+      </p:cxnSp>
+      <p:sp>
+        <p:nvSpPr>
+          <p:cNvPr id="23" name="TextBox 22"/>
+          <p:cNvSpPr txBox="1"/>
+          <p:nvPr/>
+        </p:nvSpPr>
+        <p:spPr>
+          <a:xfrm>
+            <a:off x="3522203" y="1747241"/>
+            <a:ext cx="1241045" cy="369332"/>
+          </a:xfrm>
+          <a:prstGeom prst="rect">
+            <a:avLst/>
+          </a:prstGeom>
+        </p:spPr>
+        <p:style>
+          <a:lnRef idx="2">
+            <a:schemeClr val="dk1"/>
+          </a:lnRef>
+          <a:fillRef idx="1">
+            <a:schemeClr val="lt1"/>
+          </a:fillRef>
+          <a:effectRef idx="0">
+            <a:schemeClr val="dk1"/>
+          </a:effectRef>
+          <a:fontRef idx="minor">
+            <a:schemeClr val="dk1"/>
+          </a:fontRef>
+        </p:style>
+        <p:txBody>
+          <a:bodyPr wrap="none" rtlCol="0">
+            <a:spAutoFit/>
+          </a:bodyPr>
+          <a:lstStyle>
+            <a:defPPr>
+              <a:defRPr lang="en-US"/>
+            </a:defPPr>
+          </a:lstStyle>
+          <a:p>
+            <a:r>
+              <a:rPr lang="en-US" dirty="0" err="1" smtClean="0"/>
+              <a:t>GamePiece</a:t>
+            </a:r>
+            <a:endParaRPr lang="en-US" dirty="0"/>
+          </a:p>
+        </p:txBody>
+      </p:sp>
+      <p:cxnSp>
+        <p:nvCxnSpPr>
+          <p:cNvPr id="4" name="Straight Arrow Connector 3"/>
+          <p:cNvCxnSpPr>
+            <a:stCxn id="23" idx="2"/>
+            <a:endCxn id="5" idx="0"/>
+          </p:cNvCxnSpPr>
+          <p:nvPr/>
+        </p:nvCxnSpPr>
+        <p:spPr>
+          <a:xfrm>
+            <a:off x="4142726" y="2116573"/>
+            <a:ext cx="103689" cy="626627"/>
           </a:xfrm>
           <a:prstGeom prst="straightConnector1">
             <a:avLst/>
@@ -5918,7 +6180,7 @@
     </p:spTree>
     <p:extLst>
       <p:ext uri="{BB962C8B-B14F-4D97-AF65-F5344CB8AC3E}">
-        <p14:creationId xmlns:p14="http://schemas.microsoft.com/office/powerpoint/2010/main" val="113965652"/>
+        <p14:creationId xmlns:p14="http://schemas.microsoft.com/office/powerpoint/2010/main" val="803476403"/>
       </p:ext>
     </p:extLst>
   </p:cSld>
@@ -5955,15 +6217,19 @@
             <p:ph type="title"/>
           </p:nvPr>
         </p:nvSpPr>
-        <p:spPr/>
+        <p:spPr>
+          <a:xfrm>
+            <a:off x="705539" y="152400"/>
+            <a:ext cx="7886700" cy="1325563"/>
+          </a:xfrm>
+        </p:spPr>
         <p:txBody>
           <a:bodyPr/>
           <a:lstStyle/>
           <a:p>
-            <a:pPr algn="ctr"/>
             <a:r>
               <a:rPr lang="en-US" dirty="0" smtClean="0"/>
-              <a:t>Inheritance – Game Screens</a:t>
+              <a:t>Objects – Inheritance – Area </a:t>
             </a:r>
             <a:endParaRPr lang="en-US" dirty="0"/>
           </a:p>
@@ -5977,8 +6243,8 @@
         </p:nvSpPr>
         <p:spPr>
           <a:xfrm>
-            <a:off x="4038600" y="1690689"/>
-            <a:ext cx="818044" cy="369332"/>
+            <a:off x="4419600" y="3048000"/>
+            <a:ext cx="620876" cy="369332"/>
           </a:xfrm>
           <a:prstGeom prst="rect">
             <a:avLst/>
@@ -6010,7 +6276,7 @@
           <a:p>
             <a:r>
               <a:rPr lang="en-US" dirty="0" smtClean="0"/>
-              <a:t>Screen</a:t>
+              <a:t>Area</a:t>
             </a:r>
             <a:endParaRPr lang="en-US" dirty="0"/>
           </a:p>
@@ -6024,8 +6290,8 @@
         </p:nvSpPr>
         <p:spPr>
           <a:xfrm>
-            <a:off x="1066800" y="3276600"/>
-            <a:ext cx="2096087" cy="369332"/>
+            <a:off x="2405086" y="4018449"/>
+            <a:ext cx="641266" cy="369332"/>
           </a:xfrm>
           <a:prstGeom prst="rect">
             <a:avLst/>
@@ -6056,12 +6322,8 @@
           </a:lstStyle>
           <a:p>
             <a:r>
-              <a:rPr lang="en-US" dirty="0" smtClean="0"/>
-              <a:t>Game – </a:t>
-            </a:r>
-            <a:r>
-              <a:rPr lang="en-US" dirty="0" err="1" smtClean="0"/>
-              <a:t>StartScreen</a:t>
+              <a:rPr lang="en-US" smtClean="0"/>
+              <a:t>Cage</a:t>
             </a:r>
             <a:endParaRPr lang="en-US" dirty="0"/>
           </a:p>
@@ -6075,8 +6337,8 @@
         </p:nvSpPr>
         <p:spPr>
           <a:xfrm>
-            <a:off x="3371750" y="4191000"/>
-            <a:ext cx="2151743" cy="369332"/>
+            <a:off x="3319486" y="4018449"/>
+            <a:ext cx="1276503" cy="369332"/>
           </a:xfrm>
           <a:prstGeom prst="rect">
             <a:avLst/>
@@ -6107,12 +6369,8 @@
           </a:lstStyle>
           <a:p>
             <a:r>
-              <a:rPr lang="en-US" dirty="0" smtClean="0"/>
-              <a:t>Game – </a:t>
-            </a:r>
-            <a:r>
               <a:rPr lang="en-US" dirty="0" err="1" smtClean="0"/>
-              <a:t>GameScreen</a:t>
+              <a:t>AnimalArea</a:t>
             </a:r>
             <a:endParaRPr lang="en-US" dirty="0"/>
           </a:p>
@@ -6126,8 +6384,8 @@
         </p:nvSpPr>
         <p:spPr>
           <a:xfrm>
-            <a:off x="5943600" y="3276600"/>
-            <a:ext cx="1951368" cy="369332"/>
+            <a:off x="4922023" y="4018449"/>
+            <a:ext cx="1195840" cy="369332"/>
           </a:xfrm>
           <a:prstGeom prst="rect">
             <a:avLst/>
@@ -6158,12 +6416,8 @@
           </a:lstStyle>
           <a:p>
             <a:r>
-              <a:rPr lang="en-US" dirty="0" smtClean="0"/>
-              <a:t>Game – </a:t>
-            </a:r>
-            <a:r>
-              <a:rPr lang="en-US" dirty="0" err="1" smtClean="0"/>
-              <a:t>EndScreen</a:t>
+              <a:rPr lang="en-US" smtClean="0"/>
+              <a:t>PlayerArea</a:t>
             </a:r>
             <a:endParaRPr lang="en-US" dirty="0"/>
           </a:p>
@@ -6171,7 +6425,7 @@
       </p:sp>
       <p:cxnSp>
         <p:nvCxnSpPr>
-          <p:cNvPr id="9" name="Straight Arrow Connector 8"/>
+          <p:cNvPr id="10" name="Straight Arrow Connector 9"/>
           <p:cNvCxnSpPr>
             <a:stCxn id="4" idx="2"/>
             <a:endCxn id="5" idx="0"/>
@@ -6180,8 +6434,8 @@
         </p:nvCxnSpPr>
         <p:spPr>
           <a:xfrm flipH="1">
-            <a:off x="2114844" y="2060021"/>
-            <a:ext cx="2332778" cy="1216579"/>
+            <a:off x="2725719" y="3417332"/>
+            <a:ext cx="2004319" cy="601117"/>
           </a:xfrm>
           <a:prstGeom prst="straightConnector1">
             <a:avLst/>
@@ -6207,7 +6461,7 @@
       </p:cxnSp>
       <p:cxnSp>
         <p:nvCxnSpPr>
-          <p:cNvPr id="11" name="Straight Arrow Connector 10"/>
+          <p:cNvPr id="12" name="Straight Arrow Connector 11"/>
           <p:cNvCxnSpPr>
             <a:stCxn id="4" idx="2"/>
             <a:endCxn id="6" idx="0"/>
@@ -6215,9 +6469,9 @@
           <p:nvPr/>
         </p:nvCxnSpPr>
         <p:spPr>
-          <a:xfrm>
-            <a:off x="4447622" y="2060021"/>
-            <a:ext cx="0" cy="2130979"/>
+          <a:xfrm flipH="1">
+            <a:off x="3957738" y="3417332"/>
+            <a:ext cx="772300" cy="601117"/>
           </a:xfrm>
           <a:prstGeom prst="straightConnector1">
             <a:avLst/>
@@ -6243,7 +6497,7 @@
       </p:cxnSp>
       <p:cxnSp>
         <p:nvCxnSpPr>
-          <p:cNvPr id="13" name="Straight Arrow Connector 12"/>
+          <p:cNvPr id="14" name="Straight Arrow Connector 13"/>
           <p:cNvCxnSpPr>
             <a:stCxn id="4" idx="2"/>
             <a:endCxn id="7" idx="0"/>
@@ -6252,8 +6506,91 @@
         </p:nvCxnSpPr>
         <p:spPr>
           <a:xfrm>
-            <a:off x="4447622" y="2060021"/>
-            <a:ext cx="2471662" cy="1216579"/>
+            <a:off x="4730038" y="3417332"/>
+            <a:ext cx="789905" cy="601117"/>
+          </a:xfrm>
+          <a:prstGeom prst="straightConnector1">
+            <a:avLst/>
+          </a:prstGeom>
+          <a:ln>
+            <a:tailEnd type="triangle"/>
+          </a:ln>
+        </p:spPr>
+        <p:style>
+          <a:lnRef idx="1">
+            <a:schemeClr val="accent1"/>
+          </a:lnRef>
+          <a:fillRef idx="0">
+            <a:schemeClr val="accent1"/>
+          </a:fillRef>
+          <a:effectRef idx="0">
+            <a:schemeClr val="accent1"/>
+          </a:effectRef>
+          <a:fontRef idx="minor">
+            <a:schemeClr val="tx1"/>
+          </a:fontRef>
+        </p:style>
+      </p:cxnSp>
+      <p:sp>
+        <p:nvSpPr>
+          <p:cNvPr id="11" name="TextBox 10"/>
+          <p:cNvSpPr txBox="1"/>
+          <p:nvPr/>
+        </p:nvSpPr>
+        <p:spPr>
+          <a:xfrm>
+            <a:off x="3734028" y="1664002"/>
+            <a:ext cx="1241045" cy="369332"/>
+          </a:xfrm>
+          <a:prstGeom prst="rect">
+            <a:avLst/>
+          </a:prstGeom>
+        </p:spPr>
+        <p:style>
+          <a:lnRef idx="2">
+            <a:schemeClr val="dk1"/>
+          </a:lnRef>
+          <a:fillRef idx="1">
+            <a:schemeClr val="lt1"/>
+          </a:fillRef>
+          <a:effectRef idx="0">
+            <a:schemeClr val="dk1"/>
+          </a:effectRef>
+          <a:fontRef idx="minor">
+            <a:schemeClr val="dk1"/>
+          </a:fontRef>
+        </p:style>
+        <p:txBody>
+          <a:bodyPr wrap="none" rtlCol="0">
+            <a:spAutoFit/>
+          </a:bodyPr>
+          <a:lstStyle>
+            <a:defPPr>
+              <a:defRPr lang="en-US"/>
+            </a:defPPr>
+          </a:lstStyle>
+          <a:p>
+            <a:r>
+              <a:rPr lang="en-US" dirty="0" err="1" smtClean="0"/>
+              <a:t>GamePiece</a:t>
+            </a:r>
+            <a:endParaRPr lang="en-US" dirty="0"/>
+          </a:p>
+        </p:txBody>
+      </p:sp>
+      <p:cxnSp>
+        <p:nvCxnSpPr>
+          <p:cNvPr id="8" name="Straight Arrow Connector 7"/>
+          <p:cNvCxnSpPr>
+            <a:stCxn id="11" idx="2"/>
+            <a:endCxn id="4" idx="0"/>
+          </p:cNvCxnSpPr>
+          <p:nvPr/>
+        </p:nvCxnSpPr>
+        <p:spPr>
+          <a:xfrm>
+            <a:off x="4354551" y="2033334"/>
+            <a:ext cx="375487" cy="1014666"/>
           </a:xfrm>
           <a:prstGeom prst="straightConnector1">
             <a:avLst/>
@@ -6280,7 +6617,7 @@
     </p:spTree>
     <p:extLst>
       <p:ext uri="{BB962C8B-B14F-4D97-AF65-F5344CB8AC3E}">
-        <p14:creationId xmlns:p14="http://schemas.microsoft.com/office/powerpoint/2010/main" val="1978602424"/>
+        <p14:creationId xmlns:p14="http://schemas.microsoft.com/office/powerpoint/2010/main" val="113965652"/>
       </p:ext>
     </p:extLst>
   </p:cSld>
@@ -14093,15 +14430,7 @@
           <a:p>
             <a:r>
               <a:rPr lang="en-US" dirty="0" smtClean="0"/>
-              <a:t>Otherwise, the Zoo Animal will come after YOU… if all 4 animals get past your </a:t>
-            </a:r>
-            <a:r>
-              <a:rPr lang="en-US" dirty="0" smtClean="0"/>
-              <a:t>Trump(s</a:t>
-            </a:r>
-            <a:r>
-              <a:rPr lang="en-US" dirty="0" smtClean="0"/>
-              <a:t>)</a:t>
+              <a:t>Otherwise, the Zoo Animal will come after YOU… if all 4 animals get past your Trump(s)</a:t>
             </a:r>
             <a:r>
               <a:rPr lang="en-US" dirty="0"/>
@@ -15014,11 +15343,7 @@
           <a:p>
             <a:r>
               <a:rPr lang="en-US" dirty="0" smtClean="0"/>
-              <a:t>An animal who makes it past Trump will attack </a:t>
-            </a:r>
-            <a:r>
-              <a:rPr lang="en-US" dirty="0" smtClean="0"/>
-              <a:t>YOU</a:t>
+              <a:t>An animal who makes it past Trump will attack YOU</a:t>
             </a:r>
             <a:endParaRPr lang="en-US" dirty="0"/>
           </a:p>
@@ -15090,13 +15415,21 @@
         <p:spPr/>
         <p:txBody>
           <a:bodyPr>
-            <a:normAutofit lnSpcReduction="10000"/>
+            <a:normAutofit fontScale="92500"/>
           </a:bodyPr>
           <a:lstStyle/>
           <a:p>
             <a:r>
               <a:rPr lang="en-US" dirty="0" smtClean="0"/>
-              <a:t>Each tie Trump runs into an Animal, he loses a “life”</a:t>
+              <a:t>Each </a:t>
+            </a:r>
+            <a:r>
+              <a:rPr lang="en-US" dirty="0" smtClean="0"/>
+              <a:t>time </a:t>
+            </a:r>
+            <a:r>
+              <a:rPr lang="en-US" dirty="0" smtClean="0"/>
+              <a:t>Trump runs into an Animal, he loses a “life”</a:t>
             </a:r>
           </a:p>
           <a:p>
@@ -15173,11 +15506,7 @@
           <a:p>
             <a:r>
               <a:rPr lang="en-US" dirty="0" smtClean="0"/>
-              <a:t>Game Design Document - </a:t>
-            </a:r>
-            <a:r>
-              <a:rPr lang="en-US" dirty="0" smtClean="0"/>
-              <a:t>4</a:t>
+              <a:t>Game Design Document - 4</a:t>
             </a:r>
             <a:endParaRPr lang="en-US" dirty="0"/>
           </a:p>
@@ -15214,11 +15543,7 @@
             </a:r>
             <a:r>
               <a:rPr lang="en-US" dirty="0" smtClean="0"/>
-              <a:t>if Trump becomes non-functional, </a:t>
-            </a:r>
-            <a:r>
-              <a:rPr lang="en-US" dirty="0" smtClean="0"/>
-              <a:t>in which case an Animal gets into the Player zone</a:t>
+              <a:t>if Trump becomes non-functional, in which case an Animal gets into the Player zone</a:t>
             </a:r>
             <a:endParaRPr lang="en-US" dirty="0"/>
           </a:p>
@@ -15360,11 +15685,7 @@
           <a:p>
             <a:r>
               <a:rPr lang="en-US" dirty="0" smtClean="0"/>
-              <a:t>The </a:t>
-            </a:r>
-            <a:r>
-              <a:rPr lang="en-US" dirty="0" smtClean="0"/>
-              <a:t>Characters – All Screens</a:t>
+              <a:t>The Characters – All Screens</a:t>
             </a:r>
             <a:endParaRPr lang="en-US" dirty="0"/>
           </a:p>
@@ -15393,17 +15714,8 @@
             </a:r>
             <a:r>
               <a:rPr lang="en-US" dirty="0" smtClean="0"/>
-              <a:t> </a:t>
-            </a:r>
-            <a:r>
-              <a:rPr lang="en-US" dirty="0" smtClean="0"/>
-              <a:t>(your foot, since your kicking Trump like he was a soccer ball</a:t>
-            </a:r>
-            <a:r>
-              <a:rPr lang="en-US" dirty="0" smtClean="0"/>
-              <a:t>). Possibly “skinned” with different images (e.g. Bernie Sanders)</a:t>
-            </a:r>
-            <a:endParaRPr lang="en-US" dirty="0" smtClean="0"/>
+              <a:t> (your foot, since your kicking Trump like he was a soccer ball). Possibly “skinned” with different images (e.g. Bernie Sanders)</a:t>
+            </a:r>
           </a:p>
           <a:p>
             <a:r>
@@ -15412,13 +15724,8 @@
             </a:r>
             <a:r>
               <a:rPr lang="en-US" dirty="0" smtClean="0"/>
-              <a:t>(4 of them, in cages at the top of the </a:t>
-            </a:r>
-            <a:r>
-              <a:rPr lang="en-US" dirty="0" smtClean="0"/>
-              <a:t>screen, Lions, Tigers, Bears, Gorilla)</a:t>
-            </a:r>
-            <a:endParaRPr lang="en-US" dirty="0" smtClean="0"/>
+              <a:t>(4 of them, in cages at the top of the screen, Lions, Tigers, Bears, Gorilla)</a:t>
+            </a:r>
           </a:p>
           <a:p>
             <a:r>
@@ -15427,15 +15734,7 @@
             </a:r>
             <a:r>
               <a:rPr lang="en-US" dirty="0" smtClean="0"/>
-              <a:t> </a:t>
-            </a:r>
-            <a:r>
-              <a:rPr lang="en-US" dirty="0" smtClean="0"/>
-              <a:t>(next to your foot at the start so you can kick him but possibly could exit the screen if you don’t keep kicking him into the upper region of the </a:t>
-            </a:r>
-            <a:r>
-              <a:rPr lang="en-US" dirty="0" smtClean="0"/>
-              <a:t>screen</a:t>
+              <a:t> (next to your foot at the start so you can kick him but possibly could exit the screen if you don’t keep kicking him into the upper region of the screen</a:t>
             </a:r>
           </a:p>
           <a:p>
@@ -15485,11 +15784,7 @@
             </a:pPr>
             <a:r>
               <a:rPr lang="en-US" dirty="0" smtClean="0"/>
-              <a:t>P</a:t>
-            </a:r>
-            <a:r>
-              <a:rPr lang="en-US" dirty="0" smtClean="0"/>
-              <a:t>layer movement area</a:t>
+              <a:t>Player movement area</a:t>
             </a:r>
             <a:endParaRPr lang="en-US" dirty="0"/>
           </a:p>

--- a/assets/game architecture/ZooKill Soccer Game Design Document Adjusted.pptx
+++ b/assets/game architecture/ZooKill Soccer Game Design Document Adjusted.pptx
@@ -6416,7 +6416,7 @@
           </a:lstStyle>
           <a:p>
             <a:r>
-              <a:rPr lang="en-US" smtClean="0"/>
+              <a:rPr lang="en-US" dirty="0" err="1" smtClean="0"/>
               <a:t>PlayerArea</a:t>
             </a:r>
             <a:endParaRPr lang="en-US" dirty="0"/>
